--- a/LEXICAL CAPTCHA BEAT-DOWN.pptx
+++ b/LEXICAL CAPTCHA BEAT-DOWN.pptx
@@ -358,7 +358,7 @@
           <a:p>
             <a:fld id="{7D3B1D1C-4109-4F1B-ADCC-B994F4567373}" type="datetimeFigureOut">
               <a:rPr lang="en-US" smtClean="0"/>
-              <a:t>5/20/2014</a:t>
+              <a:t>5/22/2014</a:t>
             </a:fld>
             <a:endParaRPr lang="en-US"/>
           </a:p>
@@ -571,7 +571,7 @@
           <a:p>
             <a:fld id="{7D3B1D1C-4109-4F1B-ADCC-B994F4567373}" type="datetimeFigureOut">
               <a:rPr lang="en-US" smtClean="0"/>
-              <a:t>5/20/2014</a:t>
+              <a:t>5/22/2014</a:t>
             </a:fld>
             <a:endParaRPr lang="en-US"/>
           </a:p>
@@ -746,7 +746,7 @@
           <a:p>
             <a:fld id="{7D3B1D1C-4109-4F1B-ADCC-B994F4567373}" type="datetimeFigureOut">
               <a:rPr lang="en-US" smtClean="0"/>
-              <a:t>5/20/2014</a:t>
+              <a:t>5/22/2014</a:t>
             </a:fld>
             <a:endParaRPr lang="en-US"/>
           </a:p>
@@ -911,7 +911,7 @@
           <a:p>
             <a:fld id="{7D3B1D1C-4109-4F1B-ADCC-B994F4567373}" type="datetimeFigureOut">
               <a:rPr lang="en-US" smtClean="0"/>
-              <a:t>5/20/2014</a:t>
+              <a:t>5/22/2014</a:t>
             </a:fld>
             <a:endParaRPr lang="en-US"/>
           </a:p>
@@ -1195,7 +1195,7 @@
           <a:p>
             <a:fld id="{7D3B1D1C-4109-4F1B-ADCC-B994F4567373}" type="datetimeFigureOut">
               <a:rPr lang="en-US" smtClean="0"/>
-              <a:t>5/20/2014</a:t>
+              <a:t>5/22/2014</a:t>
             </a:fld>
             <a:endParaRPr lang="en-US"/>
           </a:p>
@@ -1521,7 +1521,7 @@
           <a:p>
             <a:fld id="{7D3B1D1C-4109-4F1B-ADCC-B994F4567373}" type="datetimeFigureOut">
               <a:rPr lang="en-US" smtClean="0"/>
-              <a:t>5/20/2014</a:t>
+              <a:t>5/22/2014</a:t>
             </a:fld>
             <a:endParaRPr lang="en-US"/>
           </a:p>
@@ -1946,7 +1946,7 @@
           <a:p>
             <a:fld id="{7D3B1D1C-4109-4F1B-ADCC-B994F4567373}" type="datetimeFigureOut">
               <a:rPr lang="en-US" smtClean="0"/>
-              <a:t>5/20/2014</a:t>
+              <a:t>5/22/2014</a:t>
             </a:fld>
             <a:endParaRPr lang="en-US"/>
           </a:p>
@@ -2119,7 +2119,7 @@
           <a:p>
             <a:fld id="{7D3B1D1C-4109-4F1B-ADCC-B994F4567373}" type="datetimeFigureOut">
               <a:rPr lang="en-US" smtClean="0"/>
-              <a:t>5/20/2014</a:t>
+              <a:t>5/22/2014</a:t>
             </a:fld>
             <a:endParaRPr lang="en-US"/>
           </a:p>
@@ -2209,7 +2209,7 @@
           <a:p>
             <a:fld id="{7D3B1D1C-4109-4F1B-ADCC-B994F4567373}" type="datetimeFigureOut">
               <a:rPr lang="en-US" smtClean="0"/>
-              <a:t>5/20/2014</a:t>
+              <a:t>5/22/2014</a:t>
             </a:fld>
             <a:endParaRPr lang="en-US"/>
           </a:p>
@@ -2489,7 +2489,7 @@
           <a:p>
             <a:fld id="{7D3B1D1C-4109-4F1B-ADCC-B994F4567373}" type="datetimeFigureOut">
               <a:rPr lang="en-US" smtClean="0"/>
-              <a:t>5/20/2014</a:t>
+              <a:t>5/22/2014</a:t>
             </a:fld>
             <a:endParaRPr lang="en-US"/>
           </a:p>
@@ -2788,7 +2788,7 @@
           <a:p>
             <a:fld id="{7D3B1D1C-4109-4F1B-ADCC-B994F4567373}" type="datetimeFigureOut">
               <a:rPr lang="en-US" smtClean="0"/>
-              <a:t>5/20/2014</a:t>
+              <a:t>5/22/2014</a:t>
             </a:fld>
             <a:endParaRPr lang="en-US"/>
           </a:p>
@@ -2998,7 +2998,7 @@
           <a:p>
             <a:fld id="{7D3B1D1C-4109-4F1B-ADCC-B994F4567373}" type="datetimeFigureOut">
               <a:rPr lang="en-US" smtClean="0"/>
-              <a:t>5/20/2014</a:t>
+              <a:t>5/22/2014</a:t>
             </a:fld>
             <a:endParaRPr lang="en-US"/>
           </a:p>
@@ -3657,6 +3657,57 @@
           </a:p>
         </p:txBody>
       </p:sp>
+      <p:sp>
+        <p:nvSpPr>
+          <p:cNvPr id="5" name="TextBox 4"/>
+          <p:cNvSpPr txBox="1"/>
+          <p:nvPr/>
+        </p:nvSpPr>
+        <p:spPr>
+          <a:xfrm>
+            <a:off x="1371600" y="6400800"/>
+            <a:ext cx="6598153" cy="861774"/>
+          </a:xfrm>
+          <a:prstGeom prst="rect">
+            <a:avLst/>
+          </a:prstGeom>
+          <a:noFill/>
+        </p:spPr>
+        <p:txBody>
+          <a:bodyPr wrap="none" rtlCol="0">
+            <a:spAutoFit/>
+          </a:bodyPr>
+          <a:lstStyle/>
+          <a:p>
+            <a:r>
+              <a:rPr lang="en-US" sz="1400" b="1" dirty="0" smtClean="0"/>
+              <a:t>Distribution and </a:t>
+            </a:r>
+            <a:r>
+              <a:rPr lang="en-US" sz="1400" b="1" dirty="0" err="1" smtClean="0"/>
+              <a:t>deriviation</a:t>
+            </a:r>
+            <a:r>
+              <a:rPr lang="en-US" sz="1400" b="1" dirty="0" smtClean="0"/>
+              <a:t> is allowed under the GNU </a:t>
+            </a:r>
+            <a:r>
+              <a:rPr lang="en-US" sz="1400" b="1" dirty="0"/>
+              <a:t>Free Documentation License</a:t>
+            </a:r>
+          </a:p>
+          <a:p>
+            <a:r>
+              <a:rPr lang="en-US" dirty="0"/>
+              <a:t/>
+            </a:r>
+            <a:br>
+              <a:rPr lang="en-US" dirty="0"/>
+            </a:br>
+            <a:endParaRPr lang="en-US" dirty="0"/>
+          </a:p>
+        </p:txBody>
+      </p:sp>
     </p:spTree>
     <p:extLst>
       <p:ext uri="{BB962C8B-B14F-4D97-AF65-F5344CB8AC3E}">

--- a/LEXICAL CAPTCHA BEAT-DOWN.pptx
+++ b/LEXICAL CAPTCHA BEAT-DOWN.pptx
@@ -3684,12 +3684,12 @@
               <a:t>Distribution and </a:t>
             </a:r>
             <a:r>
-              <a:rPr lang="en-US" sz="1400" b="1" dirty="0" err="1" smtClean="0"/>
-              <a:t>deriviation</a:t>
-            </a:r>
-            <a:r>
               <a:rPr lang="en-US" sz="1400" b="1" dirty="0" smtClean="0"/>
-              <a:t> is allowed under the GNU </a:t>
+              <a:t>derivation is </a:t>
+            </a:r>
+            <a:r>
+              <a:rPr lang="en-US" sz="1400" b="1" dirty="0" smtClean="0"/>
+              <a:t>allowed under the GNU </a:t>
             </a:r>
             <a:r>
               <a:rPr lang="en-US" sz="1400" b="1" dirty="0"/>
@@ -4740,8 +4740,8 @@
           <a:p>
             <a:pPr algn="ctr"/>
             <a:r>
-              <a:rPr lang="en-US" dirty="0" err="1" smtClean="0"/>
-              <a:t>Efficiancy</a:t>
+              <a:rPr lang="en-US" smtClean="0"/>
+              <a:t>Efficiency</a:t>
             </a:r>
             <a:endParaRPr lang="en-US" dirty="0"/>
           </a:p>
@@ -4764,7 +4764,15 @@
           <a:p>
             <a:r>
               <a:rPr lang="en-US" dirty="0" smtClean="0"/>
-              <a:t>In Lab is different then real world</a:t>
+              <a:t>In Lab is different </a:t>
+            </a:r>
+            <a:r>
+              <a:rPr lang="en-US" dirty="0" smtClean="0"/>
+              <a:t>than </a:t>
+            </a:r>
+            <a:r>
+              <a:rPr lang="en-US" dirty="0" smtClean="0"/>
+              <a:t>real world</a:t>
             </a:r>
           </a:p>
           <a:p>
